--- a/00_Relazione_Bench/3-Stima dell'inerzia di un disco/[Bonus] Stima inerzia disco.pptx
+++ b/00_Relazione_Bench/3-Stima dell'inerzia di un disco/[Bonus] Stima inerzia disco.pptx
@@ -203,7 +203,7 @@
           <a:p>
             <a:fld id="{FD2FF4C7-B4CD-4B04-8234-742F6AB44E7E}" type="datetimeFigureOut">
               <a:rPr lang="it-IT" smtClean="0"/>
-              <a:t>15/02/2020</a:t>
+              <a:t>17/02/2020</a:t>
             </a:fld>
             <a:endParaRPr lang="it-IT"/>
           </a:p>
@@ -831,7 +831,7 @@
             <a:fld id="{DA63B92F-6927-4909-8675-8FB028AE3CD8}" type="datetime1">
               <a:rPr lang="it-IT" smtClean="0"/>
               <a:pPr/>
-              <a:t>15/02/2020</a:t>
+              <a:t>17/02/2020</a:t>
             </a:fld>
             <a:endParaRPr lang="it-IT" dirty="0"/>
           </a:p>
@@ -1290,7 +1290,7 @@
             <a:fld id="{E89D5404-FB42-4B9E-BE7A-7821366B0BBC}" type="datetime1">
               <a:rPr lang="it-IT" smtClean="0"/>
               <a:pPr/>
-              <a:t>15/02/2020</a:t>
+              <a:t>17/02/2020</a:t>
             </a:fld>
             <a:endParaRPr lang="it-IT" dirty="0"/>
           </a:p>
@@ -2287,7 +2287,7 @@
             <a:fld id="{982DBDC9-B003-41F0-B8B2-2F0AA2C1B651}" type="datetime1">
               <a:rPr lang="it-IT" smtClean="0"/>
               <a:pPr/>
-              <a:t>15/02/2020</a:t>
+              <a:t>17/02/2020</a:t>
             </a:fld>
             <a:endParaRPr lang="it-IT" dirty="0"/>
           </a:p>
@@ -2518,7 +2518,7 @@
             <a:fld id="{07EF584B-7CE1-48A1-AB7A-1EEAB5F615CD}" type="datetime1">
               <a:rPr lang="it-IT" smtClean="0"/>
               <a:pPr/>
-              <a:t>15/02/2020</a:t>
+              <a:t>17/02/2020</a:t>
             </a:fld>
             <a:endParaRPr lang="it-IT" dirty="0"/>
           </a:p>
@@ -3369,7 +3369,7 @@
             <a:fld id="{62DE71F0-C68A-46D7-94E0-C7A236B6AC63}" type="datetime1">
               <a:rPr lang="it-IT" smtClean="0"/>
               <a:pPr/>
-              <a:t>15/02/2020</a:t>
+              <a:t>17/02/2020</a:t>
             </a:fld>
             <a:endParaRPr lang="it-IT" dirty="0"/>
           </a:p>
@@ -3888,8 +3888,8 @@
         </p:nvSpPr>
         <p:spPr>
           <a:xfrm>
-            <a:off x="1593852" y="177801"/>
-            <a:ext cx="9785349" cy="1239837"/>
+            <a:off x="1222791" y="0"/>
+            <a:ext cx="4343123" cy="750977"/>
           </a:xfrm>
           <a:prstGeom prst="rect">
             <a:avLst/>
@@ -3924,8 +3924,8 @@
             </p:nvSpPr>
             <p:spPr>
               <a:xfrm>
-                <a:off x="1709530" y="1563757"/>
-                <a:ext cx="4916557" cy="923330"/>
+                <a:off x="1222791" y="748883"/>
+                <a:ext cx="4873209" cy="1200329"/>
               </a:xfrm>
               <a:prstGeom prst="rect">
                 <a:avLst/>
@@ -4027,8 +4027,8 @@
             </p:nvSpPr>
             <p:spPr>
               <a:xfrm>
-                <a:off x="1709530" y="1563757"/>
-                <a:ext cx="4916557" cy="923330"/>
+                <a:off x="1222791" y="748883"/>
+                <a:ext cx="4873209" cy="1200329"/>
               </a:xfrm>
               <a:prstGeom prst="rect">
                 <a:avLst/>
@@ -4036,7 +4036,7 @@
               <a:blipFill>
                 <a:blip r:embed="rId3"/>
                 <a:stretch>
-                  <a:fillRect l="-991" t="-4636" r="-867" b="-9272"/>
+                  <a:fillRect l="-1126" t="-3553" b="-6599"/>
                 </a:stretch>
               </a:blipFill>
             </p:spPr>
@@ -4397,8 +4397,8 @@
             </p:nvSpPr>
             <p:spPr>
               <a:xfrm>
-                <a:off x="1709531" y="2487087"/>
-                <a:ext cx="4916556" cy="3693319"/>
+                <a:off x="1222791" y="1914790"/>
+                <a:ext cx="5667264" cy="3693319"/>
               </a:xfrm>
               <a:prstGeom prst="rect">
                 <a:avLst/>
@@ -4470,6 +4470,13 @@
                   <a:rPr lang="it-IT" dirty="0"/>
                   <a:t>.</a:t>
                 </a:r>
+                <a:br>
+                  <a:rPr lang="it-IT" dirty="0"/>
+                </a:br>
+                <a:r>
+                  <a:rPr lang="it-IT" dirty="0"/>
+                  <a:t>Le equazioni da risolvere diventano:</a:t>
+                </a:r>
               </a:p>
             </p:txBody>
           </p:sp>
@@ -4491,8 +4498,8 @@
             </p:nvSpPr>
             <p:spPr>
               <a:xfrm>
-                <a:off x="1709531" y="2487087"/>
-                <a:ext cx="4916556" cy="3693319"/>
+                <a:off x="1222791" y="1914790"/>
+                <a:ext cx="5667264" cy="3693319"/>
               </a:xfrm>
               <a:prstGeom prst="rect">
                 <a:avLst/>
@@ -4500,7 +4507,7 @@
               <a:blipFill>
                 <a:blip r:embed="rId7"/>
                 <a:stretch>
-                  <a:fillRect l="-991" t="-1155" r="-2230" b="-1485"/>
+                  <a:fillRect l="-969" t="-990" r="-1292" b="-1485"/>
                 </a:stretch>
               </a:blipFill>
             </p:spPr>
@@ -4555,6 +4562,383 @@
           </a:prstGeom>
         </p:spPr>
       </p:pic>
+      <p:grpSp>
+        <p:nvGrpSpPr>
+          <p:cNvPr id="9" name="Gruppo 8">
+            <a:extLst>
+              <a:ext uri="{FF2B5EF4-FFF2-40B4-BE49-F238E27FC236}">
+                <a16:creationId xmlns:a16="http://schemas.microsoft.com/office/drawing/2014/main" id="{3B6B46A0-8A7E-4C8E-9BB6-2FB69ACFFA30}"/>
+              </a:ext>
+            </a:extLst>
+          </p:cNvPr>
+          <p:cNvGrpSpPr/>
+          <p:nvPr/>
+        </p:nvGrpSpPr>
+        <p:grpSpPr>
+          <a:xfrm>
+            <a:off x="2068922" y="5761201"/>
+            <a:ext cx="3975002" cy="695832"/>
+            <a:chOff x="1881810" y="5610762"/>
+            <a:chExt cx="3975002" cy="695832"/>
+          </a:xfrm>
+        </p:grpSpPr>
+        <mc:AlternateContent xmlns:mc="http://schemas.openxmlformats.org/markup-compatibility/2006" xmlns:a14="http://schemas.microsoft.com/office/drawing/2010/main">
+          <mc:Choice Requires="a14">
+            <p:sp>
+              <p:nvSpPr>
+                <p:cNvPr id="5" name="CasellaDiTesto 4">
+                  <a:extLst>
+                    <a:ext uri="{FF2B5EF4-FFF2-40B4-BE49-F238E27FC236}">
+                      <a16:creationId xmlns:a16="http://schemas.microsoft.com/office/drawing/2014/main" id="{2094BA0B-44A7-4433-9FF5-5BDAD52960C4}"/>
+                    </a:ext>
+                  </a:extLst>
+                </p:cNvPr>
+                <p:cNvSpPr txBox="1"/>
+                <p:nvPr/>
+              </p:nvSpPr>
+              <p:spPr>
+                <a:xfrm>
+                  <a:off x="1881810" y="5610762"/>
+                  <a:ext cx="1777586" cy="695832"/>
+                </a:xfrm>
+                <a:prstGeom prst="rect">
+                  <a:avLst/>
+                </a:prstGeom>
+                <a:ln/>
+              </p:spPr>
+              <p:style>
+                <a:lnRef idx="2">
+                  <a:schemeClr val="accent1"/>
+                </a:lnRef>
+                <a:fillRef idx="1">
+                  <a:schemeClr val="lt1"/>
+                </a:fillRef>
+                <a:effectRef idx="0">
+                  <a:schemeClr val="accent1"/>
+                </a:effectRef>
+                <a:fontRef idx="minor">
+                  <a:schemeClr val="dk1"/>
+                </a:fontRef>
+              </p:style>
+              <p:txBody>
+                <a:bodyPr wrap="square" lIns="0" tIns="0" rIns="0" bIns="0" rtlCol="0">
+                  <a:spAutoFit/>
+                </a:bodyPr>
+                <a:lstStyle/>
+                <a:p>
+                  <a:pPr/>
+                  <a14:m>
+                    <m:oMathPara xmlns:m="http://schemas.openxmlformats.org/officeDocument/2006/math">
+                      <m:oMathParaPr>
+                        <m:jc m:val="centerGroup"/>
+                      </m:oMathParaPr>
+                      <m:oMath xmlns:m="http://schemas.openxmlformats.org/officeDocument/2006/math">
+                        <m:sSub>
+                          <m:sSubPr>
+                            <m:ctrlPr>
+                              <a:rPr lang="it-IT" sz="2400" b="1" i="1" smtClean="0">
+                                <a:latin typeface="Cambria Math" panose="02040503050406030204" pitchFamily="18" charset="0"/>
+                              </a:rPr>
+                            </m:ctrlPr>
+                          </m:sSubPr>
+                          <m:e>
+                            <m:r>
+                              <a:rPr lang="it-IT" sz="2400" b="1" i="1" smtClean="0">
+                                <a:latin typeface="Cambria Math" panose="02040503050406030204" pitchFamily="18" charset="0"/>
+                              </a:rPr>
+                              <m:t>𝑱</m:t>
+                            </m:r>
+                          </m:e>
+                          <m:sub>
+                            <m:r>
+                              <a:rPr lang="it-IT" sz="2400" b="1" i="1" smtClean="0">
+                                <a:latin typeface="Cambria Math" panose="02040503050406030204" pitchFamily="18" charset="0"/>
+                              </a:rPr>
+                              <m:t>𝒕𝒐𝒕</m:t>
+                            </m:r>
+                          </m:sub>
+                        </m:sSub>
+                        <m:r>
+                          <a:rPr lang="it-IT" sz="2400" b="1" i="1" smtClean="0">
+                            <a:latin typeface="Cambria Math" panose="02040503050406030204" pitchFamily="18" charset="0"/>
+                          </a:rPr>
+                          <m:t>= </m:t>
+                        </m:r>
+                        <m:f>
+                          <m:fPr>
+                            <m:ctrlPr>
+                              <a:rPr lang="it-IT" sz="2400" b="1" i="1" smtClean="0">
+                                <a:latin typeface="Cambria Math" panose="02040503050406030204" pitchFamily="18" charset="0"/>
+                              </a:rPr>
+                            </m:ctrlPr>
+                          </m:fPr>
+                          <m:num>
+                            <m:sSub>
+                              <m:sSubPr>
+                                <m:ctrlPr>
+                                  <a:rPr lang="it-IT" sz="2400" b="1" i="1" smtClean="0">
+                                    <a:latin typeface="Cambria Math" panose="02040503050406030204" pitchFamily="18" charset="0"/>
+                                  </a:rPr>
+                                </m:ctrlPr>
+                              </m:sSubPr>
+                              <m:e>
+                                <m:r>
+                                  <a:rPr lang="it-IT" sz="2400" b="1" i="1" smtClean="0">
+                                    <a:latin typeface="Cambria Math" panose="02040503050406030204" pitchFamily="18" charset="0"/>
+                                    <a:ea typeface="Cambria Math" panose="02040503050406030204" pitchFamily="18" charset="0"/>
+                                  </a:rPr>
+                                  <m:t>𝝉</m:t>
+                                </m:r>
+                              </m:e>
+                              <m:sub>
+                                <m:r>
+                                  <a:rPr lang="it-IT" sz="2400" b="1" i="1" smtClean="0">
+                                    <a:latin typeface="Cambria Math" panose="02040503050406030204" pitchFamily="18" charset="0"/>
+                                  </a:rPr>
+                                  <m:t>𝒎</m:t>
+                                </m:r>
+                              </m:sub>
+                            </m:sSub>
+                          </m:num>
+                          <m:den>
+                            <m:sSub>
+                              <m:sSubPr>
+                                <m:ctrlPr>
+                                  <a:rPr lang="it-IT" sz="2400" b="1" i="1" smtClean="0">
+                                    <a:latin typeface="Cambria Math" panose="02040503050406030204" pitchFamily="18" charset="0"/>
+                                  </a:rPr>
+                                </m:ctrlPr>
+                              </m:sSubPr>
+                              <m:e>
+                                <m:r>
+                                  <a:rPr lang="it-IT" sz="2400" b="1" i="1" smtClean="0">
+                                    <a:latin typeface="Cambria Math" panose="02040503050406030204" pitchFamily="18" charset="0"/>
+                                  </a:rPr>
+                                  <m:t>𝒌</m:t>
+                                </m:r>
+                              </m:e>
+                              <m:sub>
+                                <m:r>
+                                  <a:rPr lang="it-IT" sz="2400" b="1" i="1" smtClean="0">
+                                    <a:latin typeface="Cambria Math" panose="02040503050406030204" pitchFamily="18" charset="0"/>
+                                  </a:rPr>
+                                  <m:t>𝒂</m:t>
+                                </m:r>
+                              </m:sub>
+                            </m:sSub>
+                          </m:den>
+                        </m:f>
+                      </m:oMath>
+                    </m:oMathPara>
+                  </a14:m>
+                  <a:endParaRPr lang="it-IT" sz="2400" b="1" dirty="0"/>
+                </a:p>
+              </p:txBody>
+            </p:sp>
+          </mc:Choice>
+          <mc:Fallback xmlns="">
+            <p:sp>
+              <p:nvSpPr>
+                <p:cNvPr id="5" name="CasellaDiTesto 4">
+                  <a:extLst>
+                    <a:ext uri="{FF2B5EF4-FFF2-40B4-BE49-F238E27FC236}">
+                      <a16:creationId xmlns:a16="http://schemas.microsoft.com/office/drawing/2014/main" id="{2094BA0B-44A7-4433-9FF5-5BDAD52960C4}"/>
+                    </a:ext>
+                  </a:extLst>
+                </p:cNvPr>
+                <p:cNvSpPr txBox="1">
+                  <a:spLocks noRot="1" noChangeAspect="1" noMove="1" noResize="1" noEditPoints="1" noAdjustHandles="1" noChangeArrowheads="1" noChangeShapeType="1" noTextEdit="1"/>
+                </p:cNvSpPr>
+                <p:nvPr/>
+              </p:nvSpPr>
+              <p:spPr>
+                <a:xfrm>
+                  <a:off x="1881810" y="5610762"/>
+                  <a:ext cx="1777586" cy="695832"/>
+                </a:xfrm>
+                <a:prstGeom prst="rect">
+                  <a:avLst/>
+                </a:prstGeom>
+                <a:blipFill>
+                  <a:blip r:embed="rId9"/>
+                  <a:stretch>
+                    <a:fillRect/>
+                  </a:stretch>
+                </a:blipFill>
+                <a:ln/>
+              </p:spPr>
+              <p:txBody>
+                <a:bodyPr/>
+                <a:lstStyle/>
+                <a:p>
+                  <a:r>
+                    <a:rPr lang="it-IT">
+                      <a:noFill/>
+                    </a:rPr>
+                    <a:t> </a:t>
+                  </a:r>
+                </a:p>
+              </p:txBody>
+            </p:sp>
+          </mc:Fallback>
+        </mc:AlternateContent>
+        <mc:AlternateContent xmlns:mc="http://schemas.openxmlformats.org/markup-compatibility/2006" xmlns:a14="http://schemas.microsoft.com/office/drawing/2010/main">
+          <mc:Choice Requires="a14">
+            <p:sp>
+              <p:nvSpPr>
+                <p:cNvPr id="10" name="CasellaDiTesto 9">
+                  <a:extLst>
+                    <a:ext uri="{FF2B5EF4-FFF2-40B4-BE49-F238E27FC236}">
+                      <a16:creationId xmlns:a16="http://schemas.microsoft.com/office/drawing/2014/main" id="{C633CE5D-2B22-4438-8B87-003F625F7A53}"/>
+                    </a:ext>
+                  </a:extLst>
+                </p:cNvPr>
+                <p:cNvSpPr txBox="1"/>
+                <p:nvPr/>
+              </p:nvSpPr>
+              <p:spPr>
+                <a:xfrm>
+                  <a:off x="4079226" y="5774012"/>
+                  <a:ext cx="1777586" cy="369332"/>
+                </a:xfrm>
+                <a:prstGeom prst="rect">
+                  <a:avLst/>
+                </a:prstGeom>
+                <a:ln/>
+              </p:spPr>
+              <p:style>
+                <a:lnRef idx="2">
+                  <a:schemeClr val="accent1"/>
+                </a:lnRef>
+                <a:fillRef idx="1">
+                  <a:schemeClr val="lt1"/>
+                </a:fillRef>
+                <a:effectRef idx="0">
+                  <a:schemeClr val="accent1"/>
+                </a:effectRef>
+                <a:fontRef idx="minor">
+                  <a:schemeClr val="dk1"/>
+                </a:fontRef>
+              </p:style>
+              <p:txBody>
+                <a:bodyPr wrap="square" lIns="0" tIns="0" rIns="0" bIns="0" rtlCol="0">
+                  <a:spAutoFit/>
+                </a:bodyPr>
+                <a:lstStyle/>
+                <a:p>
+                  <a:pPr/>
+                  <a14:m>
+                    <m:oMathPara xmlns:m="http://schemas.openxmlformats.org/officeDocument/2006/math">
+                      <m:oMathParaPr>
+                        <m:jc m:val="centerGroup"/>
+                      </m:oMathParaPr>
+                      <m:oMath xmlns:m="http://schemas.openxmlformats.org/officeDocument/2006/math">
+                        <m:r>
+                          <a:rPr lang="it-IT" sz="2400" b="1" i="1" smtClean="0">
+                            <a:latin typeface="Cambria Math" panose="02040503050406030204" pitchFamily="18" charset="0"/>
+                          </a:rPr>
+                          <m:t>𝑫</m:t>
+                        </m:r>
+                        <m:r>
+                          <a:rPr lang="it-IT" sz="2400" b="1" i="1" smtClean="0">
+                            <a:latin typeface="Cambria Math" panose="02040503050406030204" pitchFamily="18" charset="0"/>
+                          </a:rPr>
+                          <m:t>= </m:t>
+                        </m:r>
+                        <m:sSub>
+                          <m:sSubPr>
+                            <m:ctrlPr>
+                              <a:rPr lang="it-IT" sz="2400" b="1" i="1" smtClean="0">
+                                <a:latin typeface="Cambria Math" panose="02040503050406030204" pitchFamily="18" charset="0"/>
+                              </a:rPr>
+                            </m:ctrlPr>
+                          </m:sSubPr>
+                          <m:e>
+                            <m:r>
+                              <a:rPr lang="it-IT" sz="2400" b="1" i="1">
+                                <a:latin typeface="Cambria Math" panose="02040503050406030204" pitchFamily="18" charset="0"/>
+                              </a:rPr>
+                              <m:t>𝑱</m:t>
+                            </m:r>
+                          </m:e>
+                          <m:sub>
+                            <m:r>
+                              <a:rPr lang="it-IT" sz="2400" b="1" i="1">
+                                <a:latin typeface="Cambria Math" panose="02040503050406030204" pitchFamily="18" charset="0"/>
+                              </a:rPr>
+                              <m:t>𝒕𝒐𝒕</m:t>
+                            </m:r>
+                          </m:sub>
+                        </m:sSub>
+                        <m:r>
+                          <a:rPr lang="it-IT" sz="2400" b="1" i="1" smtClean="0">
+                            <a:latin typeface="Cambria Math" panose="02040503050406030204" pitchFamily="18" charset="0"/>
+                            <a:ea typeface="Cambria Math" panose="02040503050406030204" pitchFamily="18" charset="0"/>
+                          </a:rPr>
+                          <m:t>∙</m:t>
+                        </m:r>
+                        <m:r>
+                          <a:rPr lang="it-IT" sz="2400" b="1" i="1" smtClean="0">
+                            <a:latin typeface="Cambria Math" panose="02040503050406030204" pitchFamily="18" charset="0"/>
+                            <a:ea typeface="Cambria Math" panose="02040503050406030204" pitchFamily="18" charset="0"/>
+                          </a:rPr>
+                          <m:t>𝝆</m:t>
+                        </m:r>
+                      </m:oMath>
+                    </m:oMathPara>
+                  </a14:m>
+                  <a:endParaRPr lang="it-IT" sz="2400" b="1" dirty="0"/>
+                </a:p>
+              </p:txBody>
+            </p:sp>
+          </mc:Choice>
+          <mc:Fallback xmlns="">
+            <p:sp>
+              <p:nvSpPr>
+                <p:cNvPr id="10" name="CasellaDiTesto 9">
+                  <a:extLst>
+                    <a:ext uri="{FF2B5EF4-FFF2-40B4-BE49-F238E27FC236}">
+                      <a16:creationId xmlns:a16="http://schemas.microsoft.com/office/drawing/2014/main" id="{C633CE5D-2B22-4438-8B87-003F625F7A53}"/>
+                    </a:ext>
+                  </a:extLst>
+                </p:cNvPr>
+                <p:cNvSpPr txBox="1">
+                  <a:spLocks noRot="1" noChangeAspect="1" noMove="1" noResize="1" noEditPoints="1" noAdjustHandles="1" noChangeArrowheads="1" noChangeShapeType="1" noTextEdit="1"/>
+                </p:cNvSpPr>
+                <p:nvPr/>
+              </p:nvSpPr>
+              <p:spPr>
+                <a:xfrm>
+                  <a:off x="4079226" y="5774012"/>
+                  <a:ext cx="1777586" cy="369332"/>
+                </a:xfrm>
+                <a:prstGeom prst="rect">
+                  <a:avLst/>
+                </a:prstGeom>
+                <a:blipFill>
+                  <a:blip r:embed="rId10"/>
+                  <a:stretch>
+                    <a:fillRect b="-28571"/>
+                  </a:stretch>
+                </a:blipFill>
+                <a:ln/>
+              </p:spPr>
+              <p:txBody>
+                <a:bodyPr/>
+                <a:lstStyle/>
+                <a:p>
+                  <a:r>
+                    <a:rPr lang="it-IT">
+                      <a:noFill/>
+                    </a:rPr>
+                    <a:t> </a:t>
+                  </a:r>
+                </a:p>
+              </p:txBody>
+            </p:sp>
+          </mc:Fallback>
+        </mc:AlternateContent>
+      </p:grpSp>
     </p:spTree>
     <p:extLst>
       <p:ext uri="{BB962C8B-B14F-4D97-AF65-F5344CB8AC3E}">
@@ -4868,7 +5252,7 @@
           <a:p>
             <a:r>
               <a:rPr lang="it-IT" dirty="0"/>
-              <a:t>Infatti, poiché ai due capi del riduttore il lavoro è </a:t>
+              <a:t>Infatti, poiché ai due capi del riduttore l’energia è </a:t>
             </a:r>
             <a:r>
               <a:rPr lang="it-IT" u="sng" dirty="0"/>
@@ -4876,7 +5260,7 @@
             </a:r>
             <a:r>
               <a:rPr lang="it-IT" dirty="0"/>
-              <a:t> (e quindi viene integralmente trasferito), allora sia le inerzie che gli attriti del carico vengono ridotte considerevolmente, essendo il loro valore </a:t>
+              <a:t> (ed è quindi integralmente trasferita), allora sia le inerzie che gli attriti del carico vengono ridotte considerevolmente, essendo il loro valore </a:t>
             </a:r>
             <a:r>
               <a:rPr lang="it-IT" b="1" dirty="0"/>
@@ -4925,8 +5309,8 @@
           </a:prstGeom>
         </p:spPr>
       </p:pic>
-      <mc:AlternateContent xmlns:mc="http://schemas.openxmlformats.org/markup-compatibility/2006">
-        <mc:Choice xmlns:a14="http://schemas.microsoft.com/office/drawing/2010/main" Requires="a14">
+      <mc:AlternateContent xmlns:mc="http://schemas.openxmlformats.org/markup-compatibility/2006" xmlns:a14="http://schemas.microsoft.com/office/drawing/2010/main">
+        <mc:Choice Requires="a14">
           <p:sp>
             <p:nvSpPr>
               <p:cNvPr id="11" name="CasellaDiTesto 10">
@@ -5029,7 +5413,7 @@
             </p:txBody>
           </p:sp>
         </mc:Choice>
-        <mc:Fallback>
+        <mc:Fallback xmlns="">
           <p:sp>
             <p:nvSpPr>
               <p:cNvPr id="11" name="CasellaDiTesto 10">
@@ -5094,8 +5478,8 @@
             <a:chExt cx="2555454" cy="1050353"/>
           </a:xfrm>
         </p:grpSpPr>
-        <mc:AlternateContent xmlns:mc="http://schemas.openxmlformats.org/markup-compatibility/2006">
-          <mc:Choice xmlns:a14="http://schemas.microsoft.com/office/drawing/2010/main" Requires="a14">
+        <mc:AlternateContent xmlns:mc="http://schemas.openxmlformats.org/markup-compatibility/2006" xmlns:a14="http://schemas.microsoft.com/office/drawing/2010/main">
+          <mc:Choice Requires="a14">
             <p:sp>
               <p:nvSpPr>
                 <p:cNvPr id="12" name="CasellaDiTesto 11">
@@ -5110,20 +5494,34 @@
               </p:nvSpPr>
               <p:spPr>
                 <a:xfrm>
-                  <a:off x="9181541" y="3232888"/>
-                  <a:ext cx="2319130" cy="533608"/>
+                  <a:off x="9063379" y="3232888"/>
+                  <a:ext cx="2555454" cy="533608"/>
                 </a:xfrm>
                 <a:prstGeom prst="rect">
                   <a:avLst/>
                 </a:prstGeom>
-                <a:noFill/>
               </p:spPr>
+              <p:style>
+                <a:lnRef idx="2">
+                  <a:schemeClr val="accent1"/>
+                </a:lnRef>
+                <a:fillRef idx="1">
+                  <a:schemeClr val="lt1"/>
+                </a:fillRef>
+                <a:effectRef idx="0">
+                  <a:schemeClr val="accent1"/>
+                </a:effectRef>
+                <a:fontRef idx="minor">
+                  <a:schemeClr val="dk1"/>
+                </a:fontRef>
+              </p:style>
               <p:txBody>
                 <a:bodyPr wrap="square" lIns="0" tIns="0" rIns="0" bIns="0" rtlCol="0">
                   <a:spAutoFit/>
                 </a:bodyPr>
                 <a:lstStyle/>
                 <a:p>
+                  <a:pPr/>
                   <a14:m>
                     <m:oMathPara xmlns:m="http://schemas.openxmlformats.org/officeDocument/2006/math">
                       <m:oMathParaPr>
@@ -5263,7 +5661,7 @@
               </p:txBody>
             </p:sp>
           </mc:Choice>
-          <mc:Fallback>
+          <mc:Fallback xmlns="">
             <p:sp>
               <p:nvSpPr>
                 <p:cNvPr id="12" name="CasellaDiTesto 11">
@@ -5280,8 +5678,8 @@
               </p:nvSpPr>
               <p:spPr>
                 <a:xfrm>
-                  <a:off x="9181541" y="3232888"/>
-                  <a:ext cx="2319130" cy="533608"/>
+                  <a:off x="9063379" y="3232888"/>
+                  <a:ext cx="2555454" cy="533608"/>
                 </a:xfrm>
                 <a:prstGeom prst="rect">
                   <a:avLst/>
@@ -5289,7 +5687,7 @@
                 <a:blipFill>
                   <a:blip r:embed="rId4"/>
                   <a:stretch>
-                    <a:fillRect l="-525"/>
+                    <a:fillRect/>
                   </a:stretch>
                 </a:blipFill>
               </p:spPr>
@@ -5308,8 +5706,8 @@
             </p:sp>
           </mc:Fallback>
         </mc:AlternateContent>
-        <mc:AlternateContent xmlns:mc="http://schemas.openxmlformats.org/markup-compatibility/2006">
-          <mc:Choice xmlns:a14="http://schemas.microsoft.com/office/drawing/2010/main" Requires="a14">
+        <mc:AlternateContent xmlns:mc="http://schemas.openxmlformats.org/markup-compatibility/2006" xmlns:a14="http://schemas.microsoft.com/office/drawing/2010/main">
+          <mc:Choice Requires="a14">
             <p:sp>
               <p:nvSpPr>
                 <p:cNvPr id="13" name="CasellaDiTesto 12">
@@ -5330,14 +5728,28 @@
                 <a:prstGeom prst="rect">
                   <a:avLst/>
                 </a:prstGeom>
-                <a:noFill/>
               </p:spPr>
+              <p:style>
+                <a:lnRef idx="2">
+                  <a:schemeClr val="accent1"/>
+                </a:lnRef>
+                <a:fillRef idx="1">
+                  <a:schemeClr val="lt1"/>
+                </a:fillRef>
+                <a:effectRef idx="0">
+                  <a:schemeClr val="accent1"/>
+                </a:effectRef>
+                <a:fontRef idx="minor">
+                  <a:schemeClr val="dk1"/>
+                </a:fontRef>
+              </p:style>
               <p:txBody>
                 <a:bodyPr wrap="square" lIns="0" tIns="0" rIns="0" bIns="0" rtlCol="0">
                   <a:spAutoFit/>
                 </a:bodyPr>
                 <a:lstStyle/>
                 <a:p>
+                  <a:pPr/>
                   <a14:m>
                     <m:oMathPara xmlns:m="http://schemas.openxmlformats.org/officeDocument/2006/math">
                       <m:oMathParaPr>
@@ -5477,7 +5889,7 @@
               </p:txBody>
             </p:sp>
           </mc:Choice>
-          <mc:Fallback>
+          <mc:Fallback xmlns="">
             <p:sp>
               <p:nvSpPr>
                 <p:cNvPr id="13" name="CasellaDiTesto 12">
@@ -5862,8 +6274,8 @@
           </a:prstGeom>
         </p:spPr>
       </p:pic>
-      <mc:AlternateContent xmlns:mc="http://schemas.openxmlformats.org/markup-compatibility/2006">
-        <mc:Choice xmlns:a14="http://schemas.microsoft.com/office/drawing/2010/main" Requires="a14">
+      <mc:AlternateContent xmlns:mc="http://schemas.openxmlformats.org/markup-compatibility/2006" xmlns:a14="http://schemas.microsoft.com/office/drawing/2010/main">
+        <mc:Choice Requires="a14">
           <p:sp>
             <p:nvSpPr>
               <p:cNvPr id="8" name="CasellaDiTesto 7">
@@ -5962,7 +6374,7 @@
             </p:txBody>
           </p:sp>
         </mc:Choice>
-        <mc:Fallback>
+        <mc:Fallback xmlns="">
           <p:sp>
             <p:nvSpPr>
               <p:cNvPr id="8" name="CasellaDiTesto 7">
